--- a/ppts/notes/ch_6.pptx
+++ b/ppts/notes/ch_6.pptx
@@ -5,7 +5,7 @@
     <p:sldMasterId id="2147483672" r:id="rId1"/>
   </p:sldMasterIdLst>
   <p:notesMasterIdLst>
-    <p:notesMasterId r:id="rId21"/>
+    <p:notesMasterId r:id="rId22"/>
   </p:notesMasterIdLst>
   <p:sldIdLst>
     <p:sldId id="256" r:id="rId2"/>
@@ -27,6 +27,7 @@
     <p:sldId id="274" r:id="rId18"/>
     <p:sldId id="275" r:id="rId19"/>
     <p:sldId id="276" r:id="rId20"/>
+    <p:sldId id="277" r:id="rId21"/>
   </p:sldIdLst>
   <p:sldSz cx="12192000" cy="6858000"/>
   <p:notesSz cx="6858000" cy="9144000"/>
@@ -226,7 +227,7 @@
           <a:p>
             <a:fld id="{F239B215-84F6-B24E-9DD3-71138CBF3EB6}" type="datetimeFigureOut">
               <a:rPr lang="en-US" smtClean="0"/>
-              <a:t>8/17/17</a:t>
+              <a:t>10/30/17</a:t>
             </a:fld>
             <a:endParaRPr lang="en-US"/>
           </a:p>
@@ -634,6 +635,118 @@
           <a:p>
             <a:r>
               <a:rPr lang="en-US" dirty="0" smtClean="0"/>
+              <a:t>Access-Influence:</a:t>
+            </a:r>
+            <a:r>
+              <a:rPr lang="en-US" baseline="0" dirty="0" smtClean="0"/>
+              <a:t> creates change by becoming a bargaining member with political officials</a:t>
+            </a:r>
+            <a:r>
+              <a:rPr lang="is-IS" baseline="0" dirty="0" smtClean="0"/>
+              <a:t>… uses lobbying or litigation to get a seat at the table</a:t>
+            </a:r>
+            <a:endParaRPr lang="en-US" dirty="0" smtClean="0"/>
+          </a:p>
+          <a:p>
+            <a:r>
+              <a:rPr lang="en-US" dirty="0" smtClean="0"/>
+              <a:t>Action-reaction/disruption:</a:t>
+            </a:r>
+            <a:r>
+              <a:rPr lang="en-US" baseline="0" dirty="0" smtClean="0"/>
+              <a:t> creates change because it interrupts/disrupts normal operating procedures of political officials/businesses– action leads to loss of revenue or ability to make policy so movements MUST be dealt with</a:t>
+            </a:r>
+            <a:endParaRPr lang="en-US" dirty="0"/>
+          </a:p>
+        </p:txBody>
+      </p:sp>
+      <p:sp>
+        <p:nvSpPr>
+          <p:cNvPr id="4" name="Slide Number Placeholder 3"/>
+          <p:cNvSpPr>
+            <a:spLocks noGrp="1"/>
+          </p:cNvSpPr>
+          <p:nvPr>
+            <p:ph type="sldNum" sz="quarter" idx="10"/>
+          </p:nvPr>
+        </p:nvSpPr>
+        <p:spPr/>
+        <p:txBody>
+          <a:bodyPr/>
+          <a:lstStyle/>
+          <a:p>
+            <a:fld id="{47F4E7CA-4164-194B-AD1C-E968AC0C38E2}" type="slidenum">
+              <a:rPr lang="en-US" smtClean="0"/>
+              <a:t>13</a:t>
+            </a:fld>
+            <a:endParaRPr lang="en-US"/>
+          </a:p>
+        </p:txBody>
+      </p:sp>
+    </p:spTree>
+    <p:extLst>
+      <p:ext uri="{BB962C8B-B14F-4D97-AF65-F5344CB8AC3E}">
+        <p14:creationId xmlns:p14="http://schemas.microsoft.com/office/powerpoint/2010/main" val="1181197709"/>
+      </p:ext>
+    </p:extLst>
+  </p:cSld>
+  <p:clrMapOvr>
+    <a:masterClrMapping/>
+  </p:clrMapOvr>
+</p:notes>
+</file>
+
+<file path=ppt/notesSlides/notesSlide11.xml><?xml version="1.0" encoding="utf-8"?>
+<p:notes xmlns:a="http://schemas.openxmlformats.org/drawingml/2006/main" xmlns:r="http://schemas.openxmlformats.org/officeDocument/2006/relationships" xmlns:p="http://schemas.openxmlformats.org/presentationml/2006/main">
+  <p:cSld>
+    <p:spTree>
+      <p:nvGrpSpPr>
+        <p:cNvPr id="1" name=""/>
+        <p:cNvGrpSpPr/>
+        <p:nvPr/>
+      </p:nvGrpSpPr>
+      <p:grpSpPr>
+        <a:xfrm>
+          <a:off x="0" y="0"/>
+          <a:ext cx="0" cy="0"/>
+          <a:chOff x="0" y="0"/>
+          <a:chExt cx="0" cy="0"/>
+        </a:xfrm>
+      </p:grpSpPr>
+      <p:sp>
+        <p:nvSpPr>
+          <p:cNvPr id="2" name="Slide Image Placeholder 1"/>
+          <p:cNvSpPr>
+            <a:spLocks noGrp="1" noRot="1" noChangeAspect="1"/>
+          </p:cNvSpPr>
+          <p:nvPr>
+            <p:ph type="sldImg"/>
+          </p:nvPr>
+        </p:nvSpPr>
+        <p:spPr>
+          <a:xfrm>
+            <a:off x="381000" y="685800"/>
+            <a:ext cx="6096000" cy="3429000"/>
+          </a:xfrm>
+        </p:spPr>
+      </p:sp>
+      <p:sp>
+        <p:nvSpPr>
+          <p:cNvPr id="3" name="Notes Placeholder 2"/>
+          <p:cNvSpPr>
+            <a:spLocks noGrp="1"/>
+          </p:cNvSpPr>
+          <p:nvPr>
+            <p:ph type="body" idx="1"/>
+          </p:nvPr>
+        </p:nvSpPr>
+        <p:spPr/>
+        <p:txBody>
+          <a:bodyPr/>
+          <a:lstStyle/>
+          <a:p>
+            <a:r>
+              <a:rPr lang="en-US" dirty="0" smtClean="0"/>
               <a:t>Elites</a:t>
             </a:r>
             <a:r>
@@ -681,6 +794,94 @@
     <p:extLst>
       <p:ext uri="{BB962C8B-B14F-4D97-AF65-F5344CB8AC3E}">
         <p14:creationId xmlns:p14="http://schemas.microsoft.com/office/powerpoint/2010/main" val="3173518295"/>
+      </p:ext>
+    </p:extLst>
+  </p:cSld>
+  <p:clrMapOvr>
+    <a:masterClrMapping/>
+  </p:clrMapOvr>
+</p:notes>
+</file>
+
+<file path=ppt/notesSlides/notesSlide12.xml><?xml version="1.0" encoding="utf-8"?>
+<p:notes xmlns:a="http://schemas.openxmlformats.org/drawingml/2006/main" xmlns:r="http://schemas.openxmlformats.org/officeDocument/2006/relationships" xmlns:p="http://schemas.openxmlformats.org/presentationml/2006/main">
+  <p:cSld>
+    <p:spTree>
+      <p:nvGrpSpPr>
+        <p:cNvPr id="1" name=""/>
+        <p:cNvGrpSpPr/>
+        <p:nvPr/>
+      </p:nvGrpSpPr>
+      <p:grpSpPr>
+        <a:xfrm>
+          <a:off x="0" y="0"/>
+          <a:ext cx="0" cy="0"/>
+          <a:chOff x="0" y="0"/>
+          <a:chExt cx="0" cy="0"/>
+        </a:xfrm>
+      </p:grpSpPr>
+      <p:sp>
+        <p:nvSpPr>
+          <p:cNvPr id="2" name="Slide Image Placeholder 1"/>
+          <p:cNvSpPr>
+            <a:spLocks noGrp="1" noRot="1" noChangeAspect="1"/>
+          </p:cNvSpPr>
+          <p:nvPr>
+            <p:ph type="sldImg"/>
+          </p:nvPr>
+        </p:nvSpPr>
+        <p:spPr/>
+      </p:sp>
+      <p:sp>
+        <p:nvSpPr>
+          <p:cNvPr id="3" name="Notes Placeholder 2"/>
+          <p:cNvSpPr>
+            <a:spLocks noGrp="1"/>
+          </p:cNvSpPr>
+          <p:nvPr>
+            <p:ph type="body" idx="1"/>
+          </p:nvPr>
+        </p:nvSpPr>
+        <p:spPr/>
+        <p:txBody>
+          <a:bodyPr/>
+          <a:lstStyle/>
+          <a:p>
+            <a:r>
+              <a:rPr lang="en-US" dirty="0" smtClean="0"/>
+              <a:t>Political Mediation model</a:t>
+            </a:r>
+            <a:endParaRPr lang="en-US" dirty="0"/>
+          </a:p>
+        </p:txBody>
+      </p:sp>
+      <p:sp>
+        <p:nvSpPr>
+          <p:cNvPr id="4" name="Slide Number Placeholder 3"/>
+          <p:cNvSpPr>
+            <a:spLocks noGrp="1"/>
+          </p:cNvSpPr>
+          <p:nvPr>
+            <p:ph type="sldNum" sz="quarter" idx="10"/>
+          </p:nvPr>
+        </p:nvSpPr>
+        <p:spPr/>
+        <p:txBody>
+          <a:bodyPr/>
+          <a:lstStyle/>
+          <a:p>
+            <a:fld id="{47F4E7CA-4164-194B-AD1C-E968AC0C38E2}" type="slidenum">
+              <a:rPr lang="en-US" smtClean="0"/>
+              <a:t>15</a:t>
+            </a:fld>
+            <a:endParaRPr lang="en-US"/>
+          </a:p>
+        </p:txBody>
+      </p:sp>
+    </p:spTree>
+    <p:extLst>
+      <p:ext uri="{BB962C8B-B14F-4D97-AF65-F5344CB8AC3E}">
+        <p14:creationId xmlns:p14="http://schemas.microsoft.com/office/powerpoint/2010/main" val="2106585184"/>
       </p:ext>
     </p:extLst>
   </p:cSld>
@@ -931,7 +1132,11 @@
           <a:p>
             <a:r>
               <a:rPr lang="en-US" dirty="0" smtClean="0"/>
-              <a:t>Difficult to </a:t>
+              <a:t>Therefore a focus</a:t>
+            </a:r>
+            <a:r>
+              <a:rPr lang="en-US" baseline="0" dirty="0" smtClean="0"/>
+              <a:t> on goals is misguided… since many don’t ever achieve their goals… </a:t>
             </a:r>
             <a:endParaRPr lang="en-US" dirty="0"/>
           </a:p>
@@ -1000,12 +1205,7 @@
             <p:ph type="sldImg"/>
           </p:nvPr>
         </p:nvSpPr>
-        <p:spPr>
-          <a:xfrm>
-            <a:off x="381000" y="685800"/>
-            <a:ext cx="6096000" cy="3429000"/>
-          </a:xfrm>
-        </p:spPr>
+        <p:spPr/>
       </p:sp>
       <p:sp>
         <p:nvSpPr>
@@ -1024,17 +1224,11 @@
           <a:p>
             <a:r>
               <a:rPr lang="en-US" dirty="0" smtClean="0"/>
-              <a:t>Intended:</a:t>
+              <a:t>This is why we focus on consequences… since these</a:t>
             </a:r>
             <a:r>
               <a:rPr lang="en-US" baseline="0" dirty="0" smtClean="0"/>
-              <a:t> something they expected to change; unintended: something they did not expect to change</a:t>
-            </a:r>
-          </a:p>
-          <a:p>
-            <a:r>
-              <a:rPr lang="en-US" baseline="0" dirty="0" smtClean="0"/>
-              <a:t>These can be internal or external to the movement.</a:t>
+              <a:t> might be unrelated to the movement’s stated goals… (implicit target… e.g. policy change implies support amongst citizens… so a change in perceptions might be unintended but positive consequence)… also might be unintended in form of backlash</a:t>
             </a:r>
             <a:endParaRPr lang="en-US" dirty="0"/>
           </a:p>
@@ -1057,7 +1251,7 @@
           <a:p>
             <a:fld id="{47F4E7CA-4164-194B-AD1C-E968AC0C38E2}" type="slidenum">
               <a:rPr lang="en-US" smtClean="0"/>
-              <a:t>8</a:t>
+              <a:t>7</a:t>
             </a:fld>
             <a:endParaRPr lang="en-US"/>
           </a:p>
@@ -1066,7 +1260,7 @@
     </p:spTree>
     <p:extLst>
       <p:ext uri="{BB962C8B-B14F-4D97-AF65-F5344CB8AC3E}">
-        <p14:creationId xmlns:p14="http://schemas.microsoft.com/office/powerpoint/2010/main" val="1617104895"/>
+        <p14:creationId xmlns:p14="http://schemas.microsoft.com/office/powerpoint/2010/main" val="1522557924"/>
       </p:ext>
     </p:extLst>
   </p:cSld>
@@ -1127,37 +1321,18 @@
           <a:p>
             <a:r>
               <a:rPr lang="en-US" dirty="0" smtClean="0"/>
-              <a:t>Intended Internal: deals with personal transformation, collective identity building, solidarity (religious movements,</a:t>
+              <a:t>Intended:</a:t>
             </a:r>
             <a:r>
               <a:rPr lang="en-US" baseline="0" dirty="0" smtClean="0"/>
-              <a:t> scientology, Buddhist movement)</a:t>
-            </a:r>
-            <a:endParaRPr lang="en-US" dirty="0" smtClean="0"/>
-          </a:p>
-          <a:p>
-            <a:r>
-              <a:rPr lang="en-US" dirty="0" smtClean="0"/>
-              <a:t>Unintended</a:t>
-            </a:r>
+              <a:t> something they expected to change; unintended: something they did not expect to change</a:t>
+            </a:r>
+          </a:p>
+          <a:p>
             <a:r>
               <a:rPr lang="en-US" baseline="0" dirty="0" smtClean="0"/>
-              <a:t> Internal: disagreements about goals or strategies/tactics to achieve them, disputes about how to frame an issue, development of oppositional factions within SMO (SDS/Weather Underground)</a:t>
-            </a:r>
-          </a:p>
-          <a:p>
-            <a:r>
-              <a:rPr lang="en-US" baseline="0" dirty="0" smtClean="0"/>
-              <a:t>Intended External: those that the movement explicitly fights for, for which they have no control or are not the system of authority (LGBT orgs fighting to halt SSM bans, Townsend movement influenced growth in support for national social security program)</a:t>
-            </a:r>
-          </a:p>
-          <a:p>
-            <a:r>
-              <a:rPr lang="en-US" baseline="0" dirty="0" smtClean="0"/>
-              <a:t>Unintended External: those that the movement did not explicitly fight for, or desire or see coming (counter movements, repression, spillover)</a:t>
-            </a:r>
-          </a:p>
-          <a:p>
+              <a:t>These can be internal or external to the movement.</a:t>
+            </a:r>
             <a:endParaRPr lang="en-US" dirty="0"/>
           </a:p>
         </p:txBody>
@@ -1179,7 +1354,7 @@
           <a:p>
             <a:fld id="{47F4E7CA-4164-194B-AD1C-E968AC0C38E2}" type="slidenum">
               <a:rPr lang="en-US" smtClean="0"/>
-              <a:t>9</a:t>
+              <a:t>8</a:t>
             </a:fld>
             <a:endParaRPr lang="en-US"/>
           </a:p>
@@ -1188,7 +1363,7 @@
     </p:spTree>
     <p:extLst>
       <p:ext uri="{BB962C8B-B14F-4D97-AF65-F5344CB8AC3E}">
-        <p14:creationId xmlns:p14="http://schemas.microsoft.com/office/powerpoint/2010/main" val="1076012655"/>
+        <p14:creationId xmlns:p14="http://schemas.microsoft.com/office/powerpoint/2010/main" val="1617104895"/>
       </p:ext>
     </p:extLst>
   </p:cSld>
@@ -1247,6 +1422,39 @@
           <a:bodyPr/>
           <a:lstStyle/>
           <a:p>
+            <a:r>
+              <a:rPr lang="en-US" dirty="0" smtClean="0"/>
+              <a:t>Intended Internal: deals with personal transformation, collective identity building, solidarity (religious movements,</a:t>
+            </a:r>
+            <a:r>
+              <a:rPr lang="en-US" baseline="0" dirty="0" smtClean="0"/>
+              <a:t> scientology, Buddhist movement)</a:t>
+            </a:r>
+            <a:endParaRPr lang="en-US" dirty="0" smtClean="0"/>
+          </a:p>
+          <a:p>
+            <a:r>
+              <a:rPr lang="en-US" dirty="0" smtClean="0"/>
+              <a:t>Unintended</a:t>
+            </a:r>
+            <a:r>
+              <a:rPr lang="en-US" baseline="0" dirty="0" smtClean="0"/>
+              <a:t> Internal: disagreements about goals or strategies/tactics to achieve them, disputes about how to frame an issue, development of oppositional factions within SMO (SDS/Weather Underground)</a:t>
+            </a:r>
+          </a:p>
+          <a:p>
+            <a:r>
+              <a:rPr lang="en-US" baseline="0" dirty="0" smtClean="0"/>
+              <a:t>Intended External: those that the movement explicitly fights for, for which they have no control or are not the system of authority (LGBT orgs fighting to halt SSM bans, Townsend movement influenced growth in support for national social security program)</a:t>
+            </a:r>
+          </a:p>
+          <a:p>
+            <a:r>
+              <a:rPr lang="en-US" baseline="0" dirty="0" smtClean="0"/>
+              <a:t>Unintended External: those that the movement did not explicitly fight for, or desire or see coming (counter movements, repression, spillover)</a:t>
+            </a:r>
+          </a:p>
+          <a:p>
             <a:endParaRPr lang="en-US" dirty="0"/>
           </a:p>
         </p:txBody>
@@ -1268,7 +1476,7 @@
           <a:p>
             <a:fld id="{47F4E7CA-4164-194B-AD1C-E968AC0C38E2}" type="slidenum">
               <a:rPr lang="en-US" smtClean="0"/>
-              <a:t>10</a:t>
+              <a:t>9</a:t>
             </a:fld>
             <a:endParaRPr lang="en-US"/>
           </a:p>
@@ -1336,20 +1544,6 @@
           <a:bodyPr/>
           <a:lstStyle/>
           <a:p>
-            <a:r>
-              <a:rPr lang="en-US" dirty="0" smtClean="0"/>
-              <a:t>Acceptance means that</a:t>
-            </a:r>
-            <a:r>
-              <a:rPr lang="en-US" baseline="0" dirty="0" smtClean="0"/>
-              <a:t> the movement and its representatives are viewed as legitimate and are given a seat at the table where they can speak on issues, they are taken seriously, as are their demands.</a:t>
-            </a:r>
-          </a:p>
-          <a:p>
-            <a:r>
-              <a:rPr lang="en-US" baseline="0" dirty="0" smtClean="0"/>
-              <a:t>New advantages are collective benefits that the movement is able to win for its members and constituents.</a:t>
-            </a:r>
             <a:endParaRPr lang="en-US" dirty="0"/>
           </a:p>
         </p:txBody>
@@ -1371,7 +1565,7 @@
           <a:p>
             <a:fld id="{47F4E7CA-4164-194B-AD1C-E968AC0C38E2}" type="slidenum">
               <a:rPr lang="en-US" smtClean="0"/>
-              <a:t>11</a:t>
+              <a:t>10</a:t>
             </a:fld>
             <a:endParaRPr lang="en-US"/>
           </a:p>
@@ -1380,7 +1574,7 @@
     </p:spTree>
     <p:extLst>
       <p:ext uri="{BB962C8B-B14F-4D97-AF65-F5344CB8AC3E}">
-        <p14:creationId xmlns:p14="http://schemas.microsoft.com/office/powerpoint/2010/main" val="1663099804"/>
+        <p14:creationId xmlns:p14="http://schemas.microsoft.com/office/powerpoint/2010/main" val="1076012655"/>
       </p:ext>
     </p:extLst>
   </p:cSld>
@@ -1441,26 +1635,17 @@
           <a:p>
             <a:r>
               <a:rPr lang="en-US" dirty="0" smtClean="0"/>
-              <a:t>Access-Influence:</a:t>
+              <a:t>Acceptance means that</a:t>
             </a:r>
             <a:r>
               <a:rPr lang="en-US" baseline="0" dirty="0" smtClean="0"/>
-              <a:t> creates change by becoming a bargaining member with political officials</a:t>
-            </a:r>
-            <a:r>
-              <a:rPr lang="is-IS" baseline="0" dirty="0" smtClean="0"/>
-              <a:t>… uses lobbying or litigation to get a seat at the table</a:t>
-            </a:r>
-            <a:endParaRPr lang="en-US" dirty="0" smtClean="0"/>
-          </a:p>
-          <a:p>
-            <a:r>
-              <a:rPr lang="en-US" dirty="0" smtClean="0"/>
-              <a:t>Action-reaction/disruption:</a:t>
-            </a:r>
+              <a:t> the movement and its representatives are viewed as legitimate and are given a seat at the table where they can speak on issues, they are taken seriously, as are their demands.</a:t>
+            </a:r>
+          </a:p>
+          <a:p>
             <a:r>
               <a:rPr lang="en-US" baseline="0" dirty="0" smtClean="0"/>
-              <a:t> creates change because it interrupts/disrupts normal operating procedures of political officials/businesses– action leads to loss of revenue or ability to make policy so movements MUST be dealt with</a:t>
+              <a:t>New advantages are collective benefits that the movement is able to win for its members and constituents.</a:t>
             </a:r>
             <a:endParaRPr lang="en-US" dirty="0"/>
           </a:p>
@@ -1483,7 +1668,7 @@
           <a:p>
             <a:fld id="{47F4E7CA-4164-194B-AD1C-E968AC0C38E2}" type="slidenum">
               <a:rPr lang="en-US" smtClean="0"/>
-              <a:t>13</a:t>
+              <a:t>11</a:t>
             </a:fld>
             <a:endParaRPr lang="en-US"/>
           </a:p>
@@ -1492,7 +1677,7 @@
     </p:spTree>
     <p:extLst>
       <p:ext uri="{BB962C8B-B14F-4D97-AF65-F5344CB8AC3E}">
-        <p14:creationId xmlns:p14="http://schemas.microsoft.com/office/powerpoint/2010/main" val="1181197709"/>
+        <p14:creationId xmlns:p14="http://schemas.microsoft.com/office/powerpoint/2010/main" val="1663099804"/>
       </p:ext>
     </p:extLst>
   </p:cSld>
@@ -1815,7 +2000,7 @@
           <a:p>
             <a:fld id="{679F244B-0AF9-8F4A-A087-4D8F8F071DCD}" type="datetimeFigureOut">
               <a:rPr lang="en-US" smtClean="0"/>
-              <a:t>8/17/17</a:t>
+              <a:t>10/30/17</a:t>
             </a:fld>
             <a:endParaRPr lang="en-US"/>
           </a:p>
@@ -1981,7 +2166,7 @@
           <a:p>
             <a:fld id="{679F244B-0AF9-8F4A-A087-4D8F8F071DCD}" type="datetimeFigureOut">
               <a:rPr lang="en-US" smtClean="0"/>
-              <a:t>8/17/17</a:t>
+              <a:t>10/30/17</a:t>
             </a:fld>
             <a:endParaRPr lang="en-US"/>
           </a:p>
@@ -2305,7 +2490,7 @@
           <a:p>
             <a:fld id="{679F244B-0AF9-8F4A-A087-4D8F8F071DCD}" type="datetimeFigureOut">
               <a:rPr lang="en-US" smtClean="0"/>
-              <a:t>8/17/17</a:t>
+              <a:t>10/30/17</a:t>
             </a:fld>
             <a:endParaRPr lang="en-US"/>
           </a:p>
@@ -2521,7 +2706,7 @@
           <a:p>
             <a:fld id="{679F244B-0AF9-8F4A-A087-4D8F8F071DCD}" type="datetimeFigureOut">
               <a:rPr lang="en-US" smtClean="0"/>
-              <a:t>8/17/17</a:t>
+              <a:t>10/30/17</a:t>
             </a:fld>
             <a:endParaRPr lang="en-US"/>
           </a:p>
@@ -2876,7 +3061,7 @@
           <a:p>
             <a:fld id="{679F244B-0AF9-8F4A-A087-4D8F8F071DCD}" type="datetimeFigureOut">
               <a:rPr lang="en-US" smtClean="0"/>
-              <a:t>8/17/17</a:t>
+              <a:t>10/30/17</a:t>
             </a:fld>
             <a:endParaRPr lang="en-US"/>
           </a:p>
@@ -3168,7 +3353,7 @@
           <a:p>
             <a:fld id="{679F244B-0AF9-8F4A-A087-4D8F8F071DCD}" type="datetimeFigureOut">
               <a:rPr lang="en-US" smtClean="0"/>
-              <a:t>8/17/17</a:t>
+              <a:t>10/30/17</a:t>
             </a:fld>
             <a:endParaRPr lang="en-US"/>
           </a:p>
@@ -3549,7 +3734,7 @@
           <a:p>
             <a:fld id="{679F244B-0AF9-8F4A-A087-4D8F8F071DCD}" type="datetimeFigureOut">
               <a:rPr lang="en-US" smtClean="0"/>
-              <a:t>8/17/17</a:t>
+              <a:t>10/30/17</a:t>
             </a:fld>
             <a:endParaRPr lang="en-US"/>
           </a:p>
@@ -3647,7 +3832,7 @@
           <a:p>
             <a:fld id="{679F244B-0AF9-8F4A-A087-4D8F8F071DCD}" type="datetimeFigureOut">
               <a:rPr lang="en-US" smtClean="0"/>
-              <a:t>8/17/17</a:t>
+              <a:t>10/30/17</a:t>
             </a:fld>
             <a:endParaRPr lang="en-US"/>
           </a:p>
@@ -3722,7 +3907,7 @@
           <a:p>
             <a:fld id="{679F244B-0AF9-8F4A-A087-4D8F8F071DCD}" type="datetimeFigureOut">
               <a:rPr lang="en-US" smtClean="0"/>
-              <a:t>8/17/17</a:t>
+              <a:t>10/30/17</a:t>
             </a:fld>
             <a:endParaRPr lang="en-US"/>
           </a:p>
@@ -3965,7 +4150,7 @@
           <a:p>
             <a:fld id="{679F244B-0AF9-8F4A-A087-4D8F8F071DCD}" type="datetimeFigureOut">
               <a:rPr lang="en-US" smtClean="0"/>
-              <a:t>8/17/17</a:t>
+              <a:t>10/30/17</a:t>
             </a:fld>
             <a:endParaRPr lang="en-US"/>
           </a:p>
@@ -4400,7 +4585,7 @@
           <a:p>
             <a:fld id="{679F244B-0AF9-8F4A-A087-4D8F8F071DCD}" type="datetimeFigureOut">
               <a:rPr lang="en-US" smtClean="0"/>
-              <a:t>8/17/17</a:t>
+              <a:t>10/30/17</a:t>
             </a:fld>
             <a:endParaRPr lang="en-US"/>
           </a:p>
@@ -4620,7 +4805,7 @@
           <a:p>
             <a:fld id="{679F244B-0AF9-8F4A-A087-4D8F8F071DCD}" type="datetimeFigureOut">
               <a:rPr lang="en-US" smtClean="0"/>
-              <a:t>8/17/17</a:t>
+              <a:t>10/30/17</a:t>
             </a:fld>
             <a:endParaRPr lang="en-US"/>
           </a:p>
@@ -5387,11 +5572,18 @@
       </p:transition>
     </mc:Choice>
     <mc:Fallback xmlns="">
-      <p:transition xmlns:p14="http://schemas.microsoft.com/office/powerpoint/2010/main" spd="med">
+      <p:transition spd="med">
         <p:fade/>
       </p:transition>
     </mc:Fallback>
   </mc:AlternateContent>
+  <p:timing>
+    <p:tnLst>
+      <p:par>
+        <p:cTn id="1" dur="indefinite" restart="never" nodeType="tmRoot"/>
+      </p:par>
+    </p:tnLst>
+  </p:timing>
 </p:sld>
 </file>
 
@@ -5429,7 +5621,15 @@
           <a:p>
             <a:r>
               <a:rPr lang="en-US" dirty="0" smtClean="0"/>
-              <a:t>Practice</a:t>
+              <a:t>Exercise: “</a:t>
+            </a:r>
+            <a:r>
+              <a:rPr lang="en-US" dirty="0"/>
+              <a:t>Give Me Some </a:t>
+            </a:r>
+            <a:r>
+              <a:rPr lang="en-US" dirty="0" smtClean="0"/>
+              <a:t>Space” CSUF Parking Inequity Organization</a:t>
             </a:r>
             <a:endParaRPr lang="en-US" dirty="0"/>
           </a:p>
@@ -5706,7 +5906,7 @@
       </p:transition>
     </mc:Choice>
     <mc:Fallback xmlns="">
-      <p:transition xmlns:p14="http://schemas.microsoft.com/office/powerpoint/2010/main" spd="med">
+      <p:transition spd="med">
         <p:fade/>
       </p:transition>
     </mc:Fallback>
@@ -5791,9 +5991,23 @@
             </a:r>
           </a:p>
           <a:p>
+            <a:pPr lvl="1"/>
+            <a:r>
+              <a:rPr lang="en-US" dirty="0" smtClean="0"/>
+              <a:t>Legitimacy</a:t>
+            </a:r>
+          </a:p>
+          <a:p>
             <a:r>
               <a:rPr lang="en-US" dirty="0" smtClean="0"/>
               <a:t>New advantages</a:t>
+            </a:r>
+          </a:p>
+          <a:p>
+            <a:pPr lvl="1"/>
+            <a:r>
+              <a:rPr lang="en-US" dirty="0" smtClean="0"/>
+              <a:t>Collective benefits (e.g. desired policy, monetary rewards)</a:t>
             </a:r>
             <a:endParaRPr lang="en-US" dirty="0"/>
           </a:p>
@@ -5816,7 +6030,7 @@
       </p:transition>
     </mc:Choice>
     <mc:Fallback xmlns="">
-      <p:transition xmlns:p14="http://schemas.microsoft.com/office/powerpoint/2010/main" spd="med">
+      <p:transition spd="med">
         <p:fade/>
       </p:transition>
     </mc:Fallback>
@@ -5925,7 +6139,7 @@
       </p:transition>
     </mc:Choice>
     <mc:Fallback xmlns="">
-      <p:transition xmlns:p14="http://schemas.microsoft.com/office/powerpoint/2010/main" spd="med">
+      <p:transition spd="med">
         <p:fade/>
       </p:transition>
     </mc:Fallback>
@@ -6076,7 +6290,7 @@
       </p:transition>
     </mc:Choice>
     <mc:Fallback xmlns="">
-      <p:transition xmlns:p14="http://schemas.microsoft.com/office/powerpoint/2010/main" spd="med">
+      <p:transition spd="med">
         <p:fade/>
       </p:transition>
     </mc:Fallback>
@@ -6180,7 +6394,7 @@
       </p:transition>
     </mc:Choice>
     <mc:Fallback xmlns="">
-      <p:transition xmlns:p14="http://schemas.microsoft.com/office/powerpoint/2010/main" spd="med">
+      <p:transition spd="med">
         <p:fade/>
       </p:transition>
     </mc:Fallback>
@@ -6266,6 +6480,10 @@
           </a:p>
           <a:p>
             <a:pPr lvl="1"/>
+            <a:endParaRPr lang="en-US" dirty="0" smtClean="0"/>
+          </a:p>
+          <a:p>
+            <a:pPr lvl="1"/>
             <a:r>
               <a:rPr lang="en-US" dirty="0" smtClean="0"/>
               <a:t>Sympathetic allies must interact with/respond to movement</a:t>
@@ -6298,7 +6516,7 @@
       </p:transition>
     </mc:Choice>
     <mc:Fallback xmlns="">
-      <p:transition xmlns:p14="http://schemas.microsoft.com/office/powerpoint/2010/main" spd="med">
+      <p:transition spd="med">
         <p:fade/>
       </p:transition>
     </mc:Fallback>
@@ -6395,7 +6613,7 @@
       </p:transition>
     </mc:Choice>
     <mc:Fallback xmlns="">
-      <p:transition xmlns:p14="http://schemas.microsoft.com/office/powerpoint/2010/main" spd="med">
+      <p:transition spd="med">
         <p:fade/>
       </p:transition>
     </mc:Fallback>
@@ -6529,7 +6747,7 @@
       </p:transition>
     </mc:Choice>
     <mc:Fallback xmlns="">
-      <p:transition xmlns:p14="http://schemas.microsoft.com/office/powerpoint/2010/main" spd="med">
+      <p:transition spd="med">
         <p:fade/>
       </p:transition>
     </mc:Fallback>
@@ -6609,12 +6827,33 @@
             <a:pPr lvl="1"/>
             <a:r>
               <a:rPr lang="en-US" dirty="0" smtClean="0"/>
-              <a:t>Public opinion, media coverage, </a:t>
-            </a:r>
-            <a:r>
-              <a:rPr lang="en-US" dirty="0" err="1" smtClean="0"/>
-              <a:t>etc</a:t>
-            </a:r>
+              <a:t>Public </a:t>
+            </a:r>
+            <a:r>
+              <a:rPr lang="en-US" dirty="0" smtClean="0"/>
+              <a:t>opinion</a:t>
+            </a:r>
+          </a:p>
+          <a:p>
+            <a:pPr lvl="1"/>
+            <a:r>
+              <a:rPr lang="en-US" dirty="0"/>
+              <a:t>M</a:t>
+            </a:r>
+            <a:r>
+              <a:rPr lang="en-US" dirty="0" smtClean="0"/>
+              <a:t>edia coverage</a:t>
+            </a:r>
+          </a:p>
+          <a:p>
+            <a:pPr lvl="1"/>
+            <a:r>
+              <a:rPr lang="en-US" dirty="0" smtClean="0"/>
+              <a:t>Attitudes/Beliefs</a:t>
+            </a:r>
+          </a:p>
+          <a:p>
+            <a:pPr lvl="1"/>
             <a:endParaRPr lang="en-US" dirty="0" smtClean="0"/>
           </a:p>
           <a:p>
@@ -6639,7 +6878,7 @@
       </p:transition>
     </mc:Choice>
     <mc:Fallback xmlns="">
-      <p:transition xmlns:p14="http://schemas.microsoft.com/office/powerpoint/2010/main" spd="med">
+      <p:transition spd="med">
         <p:fade/>
       </p:transition>
     </mc:Fallback>
@@ -6761,7 +7000,7 @@
       </p:transition>
     </mc:Choice>
     <mc:Fallback xmlns="">
-      <p:transition xmlns:p14="http://schemas.microsoft.com/office/powerpoint/2010/main" spd="med">
+      <p:transition spd="med">
         <p:fade/>
       </p:transition>
     </mc:Fallback>
@@ -6810,7 +7049,7 @@
           <a:p>
             <a:r>
               <a:rPr lang="en-US" dirty="0" smtClean="0"/>
-              <a:t>Targets</a:t>
+              <a:t>Targets Matter</a:t>
             </a:r>
             <a:endParaRPr lang="en-US" dirty="0"/>
           </a:p>
@@ -6833,7 +7072,15 @@
           <a:p>
             <a:r>
               <a:rPr lang="en-US" dirty="0" smtClean="0"/>
-              <a:t>Almost always target one system of authority to influence or block change</a:t>
+              <a:t>Almost always target one </a:t>
+            </a:r>
+            <a:r>
+              <a:rPr lang="en-US" i="1" u="sng" dirty="0" smtClean="0"/>
+              <a:t>system of authority</a:t>
+            </a:r>
+            <a:r>
+              <a:rPr lang="en-US" dirty="0" smtClean="0"/>
+              <a:t> to influence or block change</a:t>
             </a:r>
             <a:endParaRPr lang="en-US" dirty="0"/>
           </a:p>
@@ -6856,7 +7103,101 @@
       </p:transition>
     </mc:Choice>
     <mc:Fallback xmlns="">
-      <p:transition xmlns:p14="http://schemas.microsoft.com/office/powerpoint/2010/main" spd="med">
+      <p:transition spd="med">
+        <p:fade/>
+      </p:transition>
+    </mc:Fallback>
+  </mc:AlternateContent>
+</p:sld>
+</file>
+
+<file path=ppt/slides/slide20.xml><?xml version="1.0" encoding="utf-8"?>
+<p:sld xmlns:a="http://schemas.openxmlformats.org/drawingml/2006/main" xmlns:r="http://schemas.openxmlformats.org/officeDocument/2006/relationships" xmlns:p="http://schemas.openxmlformats.org/presentationml/2006/main">
+  <p:cSld>
+    <p:spTree>
+      <p:nvGrpSpPr>
+        <p:cNvPr id="1" name=""/>
+        <p:cNvGrpSpPr/>
+        <p:nvPr/>
+      </p:nvGrpSpPr>
+      <p:grpSpPr>
+        <a:xfrm>
+          <a:off x="0" y="0"/>
+          <a:ext cx="0" cy="0"/>
+          <a:chOff x="0" y="0"/>
+          <a:chExt cx="0" cy="0"/>
+        </a:xfrm>
+      </p:grpSpPr>
+      <p:sp>
+        <p:nvSpPr>
+          <p:cNvPr id="2" name="Title 1"/>
+          <p:cNvSpPr>
+            <a:spLocks noGrp="1"/>
+          </p:cNvSpPr>
+          <p:nvPr>
+            <p:ph type="title"/>
+          </p:nvPr>
+        </p:nvSpPr>
+        <p:spPr/>
+        <p:txBody>
+          <a:bodyPr/>
+          <a:lstStyle/>
+          <a:p>
+            <a:r>
+              <a:rPr lang="en-US" dirty="0" smtClean="0"/>
+              <a:t>Cultural/Political Consequences: Free </a:t>
+            </a:r>
+            <a:r>
+              <a:rPr lang="en-US" dirty="0" smtClean="0"/>
+              <a:t>Speech Movement</a:t>
+            </a:r>
+            <a:endParaRPr lang="en-US" dirty="0"/>
+          </a:p>
+        </p:txBody>
+      </p:sp>
+      <p:sp>
+        <p:nvSpPr>
+          <p:cNvPr id="3" name="Content Placeholder 2"/>
+          <p:cNvSpPr>
+            <a:spLocks noGrp="1"/>
+          </p:cNvSpPr>
+          <p:nvPr>
+            <p:ph sz="quarter" idx="1"/>
+          </p:nvPr>
+        </p:nvSpPr>
+        <p:spPr/>
+        <p:txBody>
+          <a:bodyPr/>
+          <a:lstStyle/>
+          <a:p>
+            <a:r>
+              <a:rPr lang="en-US" dirty="0" smtClean="0">
+                <a:hlinkClick r:id="rId2"/>
+              </a:rPr>
+              <a:t>Berkeley in the Sixties (1990)</a:t>
+            </a:r>
+            <a:endParaRPr lang="en-US" dirty="0"/>
+          </a:p>
+        </p:txBody>
+      </p:sp>
+    </p:spTree>
+    <p:extLst>
+      <p:ext uri="{BB962C8B-B14F-4D97-AF65-F5344CB8AC3E}">
+        <p14:creationId xmlns:p14="http://schemas.microsoft.com/office/powerpoint/2010/main" val="16978729"/>
+      </p:ext>
+    </p:extLst>
+  </p:cSld>
+  <p:clrMapOvr>
+    <a:masterClrMapping/>
+  </p:clrMapOvr>
+  <mc:AlternateContent xmlns:mc="http://schemas.openxmlformats.org/markup-compatibility/2006" xmlns:p14="http://schemas.microsoft.com/office/powerpoint/2010/main">
+    <mc:Choice Requires="p14">
+      <p:transition spd="med" p14:dur="700">
+        <p:fade/>
+      </p:transition>
+    </mc:Choice>
+    <mc:Fallback xmlns="">
+      <p:transition spd="med">
         <p:fade/>
       </p:transition>
     </mc:Fallback>
@@ -6932,6 +7273,10 @@
             </a:r>
           </a:p>
           <a:p>
+            <a:pPr lvl="1"/>
+            <a:endParaRPr lang="en-US" dirty="0" smtClean="0"/>
+          </a:p>
+          <a:p>
             <a:r>
               <a:rPr lang="en-US" dirty="0" smtClean="0"/>
               <a:t>Cultural</a:t>
@@ -6941,7 +7286,11 @@
             <a:pPr lvl="1"/>
             <a:r>
               <a:rPr lang="en-US" dirty="0" smtClean="0"/>
-              <a:t>Discourse, understandings, beliefs, attitudes</a:t>
+              <a:t>Discourse, understandings, beliefs, attitudes, practices, objects/</a:t>
+            </a:r>
+            <a:r>
+              <a:rPr lang="en-US" dirty="0" err="1" smtClean="0"/>
+              <a:t>matreial</a:t>
             </a:r>
             <a:endParaRPr lang="en-US" dirty="0"/>
           </a:p>
@@ -6964,7 +7313,7 @@
       </p:transition>
     </mc:Choice>
     <mc:Fallback xmlns="">
-      <p:transition xmlns:p14="http://schemas.microsoft.com/office/powerpoint/2010/main" spd="med">
+      <p:transition spd="med">
         <p:fade/>
       </p:transition>
     </mc:Fallback>
@@ -7036,7 +7385,7 @@
         </p:blipFill>
         <p:spPr>
           <a:xfrm>
-            <a:off x="3374270" y="1600200"/>
+            <a:off x="3413258" y="1848173"/>
             <a:ext cx="5678411" cy="4495800"/>
           </a:xfrm>
         </p:spPr>
@@ -7058,7 +7407,7 @@
       </p:transition>
     </mc:Choice>
     <mc:Fallback xmlns="">
-      <p:transition xmlns:p14="http://schemas.microsoft.com/office/powerpoint/2010/main" spd="med">
+      <p:transition spd="med">
         <p:fade/>
       </p:transition>
     </mc:Fallback>
@@ -7100,7 +7449,7 @@
           <a:p>
             <a:r>
               <a:rPr lang="en-US" dirty="0" smtClean="0"/>
-              <a:t>Practice</a:t>
+              <a:t>Exercise</a:t>
             </a:r>
             <a:endParaRPr lang="en-US" dirty="0"/>
           </a:p>
@@ -7123,7 +7472,7 @@
           <a:p>
             <a:r>
               <a:rPr lang="en-US" dirty="0" smtClean="0"/>
-              <a:t>Think of a contemporary movement</a:t>
+              <a:t>Select a contemporary social movement</a:t>
             </a:r>
             <a:r>
               <a:rPr lang="is-IS" dirty="0" smtClean="0"/>
@@ -7150,6 +7499,12 @@
               <a:rPr lang="is-IS" dirty="0" smtClean="0"/>
               <a:t> outcomes could they impact?</a:t>
             </a:r>
+          </a:p>
+          <a:p>
+            <a:pPr marL="834390" lvl="1" indent="-514350">
+              <a:buFont typeface="+mj-lt"/>
+              <a:buAutoNum type="arabicPeriod"/>
+            </a:pPr>
             <a:endParaRPr lang="is-IS" dirty="0"/>
           </a:p>
           <a:p>
@@ -7190,7 +7545,7 @@
       </p:transition>
     </mc:Choice>
     <mc:Fallback xmlns="">
-      <p:transition xmlns:p14="http://schemas.microsoft.com/office/powerpoint/2010/main" spd="med">
+      <p:transition spd="med">
         <p:fade/>
       </p:transition>
     </mc:Fallback>
@@ -7232,7 +7587,7 @@
           <a:p>
             <a:r>
               <a:rPr lang="en-US" dirty="0" smtClean="0"/>
-              <a:t>Importance of Goals?</a:t>
+              <a:t>Goals versus Outcomes/Consequences?</a:t>
             </a:r>
             <a:endParaRPr lang="en-US" dirty="0"/>
           </a:p>
@@ -7255,19 +7610,28 @@
           <a:p>
             <a:r>
               <a:rPr lang="en-US" dirty="0" smtClean="0"/>
+              <a:t>Problems with focusing on goals</a:t>
+            </a:r>
+          </a:p>
+          <a:p>
+            <a:pPr lvl="1"/>
+            <a:r>
+              <a:rPr lang="en-US" dirty="0" smtClean="0"/>
               <a:t>Movements have many goals</a:t>
             </a:r>
           </a:p>
           <a:p>
+            <a:pPr lvl="1"/>
             <a:r>
               <a:rPr lang="en-US" dirty="0" smtClean="0"/>
               <a:t>Goals change over time</a:t>
             </a:r>
           </a:p>
           <a:p>
-            <a:r>
-              <a:rPr lang="en-US" dirty="0" smtClean="0"/>
-              <a:t>Movements may never attain all goals (succeed)</a:t>
+            <a:pPr lvl="1"/>
+            <a:r>
+              <a:rPr lang="en-US" dirty="0" smtClean="0"/>
+              <a:t>Many never attain all goals (succeed)</a:t>
             </a:r>
             <a:endParaRPr lang="en-US" dirty="0"/>
           </a:p>
@@ -7290,7 +7654,7 @@
       </p:transition>
     </mc:Choice>
     <mc:Fallback xmlns="">
-      <p:transition xmlns:p14="http://schemas.microsoft.com/office/powerpoint/2010/main" spd="med">
+      <p:transition spd="med">
         <p:fade/>
       </p:transition>
     </mc:Fallback>
@@ -7392,7 +7756,7 @@
       </p:transition>
     </mc:Choice>
     <mc:Fallback xmlns="">
-      <p:transition xmlns:p14="http://schemas.microsoft.com/office/powerpoint/2010/main" spd="med">
+      <p:transition spd="med">
         <p:fade/>
       </p:transition>
     </mc:Fallback>
@@ -7486,7 +7850,7 @@
       </p:transition>
     </mc:Choice>
     <mc:Fallback xmlns="">
-      <p:transition xmlns:p14="http://schemas.microsoft.com/office/powerpoint/2010/main" spd="med">
+      <p:transition spd="med">
         <p:fade/>
       </p:transition>
     </mc:Fallback>
@@ -7805,7 +8169,7 @@
       </p:transition>
     </mc:Choice>
     <mc:Fallback xmlns="">
-      <p:transition xmlns:p14="http://schemas.microsoft.com/office/powerpoint/2010/main" spd="med">
+      <p:transition spd="med">
         <p:fade/>
       </p:transition>
     </mc:Fallback>
